--- a/Final_Capstone/Capstone_3_Presentation_Slides.pptx
+++ b/Final_Capstone/Capstone_3_Presentation_Slides.pptx
@@ -828,7 +828,7 @@
   <p:cSld>
     <p:spTree>
       <p:nvGrpSpPr>
-        <p:cNvPr id="136" name="Shape 136"/>
+        <p:cNvPr id="137" name="Shape 137"/>
         <p:cNvGrpSpPr/>
         <p:nvPr/>
       </p:nvGrpSpPr>
@@ -842,7 +842,7 @@
       </p:grpSpPr>
       <p:sp>
         <p:nvSpPr>
-          <p:cNvPr id="137" name="Google Shape;137;g15e5843fb00_0_39:notes"/>
+          <p:cNvPr id="138" name="Google Shape;138;g15e5843fb00_0_39:notes"/>
           <p:cNvSpPr/>
           <p:nvPr>
             <p:ph idx="2" type="sldImg"/>
@@ -877,7 +877,7 @@
       </p:sp>
       <p:sp>
         <p:nvSpPr>
-          <p:cNvPr id="138" name="Google Shape;138;g15e5843fb00_0_39:notes"/>
+          <p:cNvPr id="139" name="Google Shape;139;g15e5843fb00_0_39:notes"/>
           <p:cNvSpPr txBox="1"/>
           <p:nvPr>
             <p:ph idx="1" type="body"/>
@@ -927,7 +927,7 @@
   <p:cSld>
     <p:spTree>
       <p:nvGrpSpPr>
-        <p:cNvPr id="143" name="Shape 143"/>
+        <p:cNvPr id="144" name="Shape 144"/>
         <p:cNvGrpSpPr/>
         <p:nvPr/>
       </p:nvGrpSpPr>
@@ -941,7 +941,7 @@
       </p:grpSpPr>
       <p:sp>
         <p:nvSpPr>
-          <p:cNvPr id="144" name="Google Shape;144;g15e5843fb00_0_289:notes"/>
+          <p:cNvPr id="145" name="Google Shape;145;g15e5843fb00_0_289:notes"/>
           <p:cNvSpPr/>
           <p:nvPr>
             <p:ph idx="2" type="sldImg"/>
@@ -976,7 +976,7 @@
       </p:sp>
       <p:sp>
         <p:nvSpPr>
-          <p:cNvPr id="145" name="Google Shape;145;g15e5843fb00_0_289:notes"/>
+          <p:cNvPr id="146" name="Google Shape;146;g15e5843fb00_0_289:notes"/>
           <p:cNvSpPr txBox="1"/>
           <p:nvPr>
             <p:ph idx="1" type="body"/>
@@ -1026,7 +1026,7 @@
   <p:cSld>
     <p:spTree>
       <p:nvGrpSpPr>
-        <p:cNvPr id="149" name="Shape 149"/>
+        <p:cNvPr id="150" name="Shape 150"/>
         <p:cNvGrpSpPr/>
         <p:nvPr/>
       </p:nvGrpSpPr>
@@ -1040,7 +1040,7 @@
       </p:grpSpPr>
       <p:sp>
         <p:nvSpPr>
-          <p:cNvPr id="150" name="Google Shape;150;g15e5843fb00_0_167:notes"/>
+          <p:cNvPr id="151" name="Google Shape;151;g15e5843fb00_0_167:notes"/>
           <p:cNvSpPr/>
           <p:nvPr>
             <p:ph idx="2" type="sldImg"/>
@@ -1075,7 +1075,7 @@
       </p:sp>
       <p:sp>
         <p:nvSpPr>
-          <p:cNvPr id="151" name="Google Shape;151;g15e5843fb00_0_167:notes"/>
+          <p:cNvPr id="152" name="Google Shape;152;g15e5843fb00_0_167:notes"/>
           <p:cNvSpPr txBox="1"/>
           <p:nvPr>
             <p:ph idx="1" type="body"/>
@@ -1125,7 +1125,7 @@
   <p:cSld>
     <p:spTree>
       <p:nvGrpSpPr>
-        <p:cNvPr id="157" name="Shape 157"/>
+        <p:cNvPr id="158" name="Shape 158"/>
         <p:cNvGrpSpPr/>
         <p:nvPr/>
       </p:nvGrpSpPr>
@@ -1139,7 +1139,7 @@
       </p:grpSpPr>
       <p:sp>
         <p:nvSpPr>
-          <p:cNvPr id="158" name="Google Shape;158;g15e5843fb00_0_243:notes"/>
+          <p:cNvPr id="159" name="Google Shape;159;g15e5843fb00_0_243:notes"/>
           <p:cNvSpPr/>
           <p:nvPr>
             <p:ph idx="2" type="sldImg"/>
@@ -1174,7 +1174,7 @@
       </p:sp>
       <p:sp>
         <p:nvSpPr>
-          <p:cNvPr id="159" name="Google Shape;159;g15e5843fb00_0_243:notes"/>
+          <p:cNvPr id="160" name="Google Shape;160;g15e5843fb00_0_243:notes"/>
           <p:cNvSpPr txBox="1"/>
           <p:nvPr>
             <p:ph idx="1" type="body"/>
@@ -1224,7 +1224,7 @@
   <p:cSld>
     <p:spTree>
       <p:nvGrpSpPr>
-        <p:cNvPr id="165" name="Shape 165"/>
+        <p:cNvPr id="166" name="Shape 166"/>
         <p:cNvGrpSpPr/>
         <p:nvPr/>
       </p:nvGrpSpPr>
@@ -1238,7 +1238,7 @@
       </p:grpSpPr>
       <p:sp>
         <p:nvSpPr>
-          <p:cNvPr id="166" name="Google Shape;166;g15e5843fb00_0_10:notes"/>
+          <p:cNvPr id="167" name="Google Shape;167;g15e5843fb00_0_10:notes"/>
           <p:cNvSpPr/>
           <p:nvPr>
             <p:ph idx="2" type="sldImg"/>
@@ -1273,7 +1273,7 @@
       </p:sp>
       <p:sp>
         <p:nvSpPr>
-          <p:cNvPr id="167" name="Google Shape;167;g15e5843fb00_0_10:notes"/>
+          <p:cNvPr id="168" name="Google Shape;168;g15e5843fb00_0_10:notes"/>
           <p:cNvSpPr txBox="1"/>
           <p:nvPr>
             <p:ph idx="1" type="body"/>
@@ -1323,7 +1323,7 @@
   <p:cSld>
     <p:spTree>
       <p:nvGrpSpPr>
-        <p:cNvPr id="186" name="Shape 186"/>
+        <p:cNvPr id="187" name="Shape 187"/>
         <p:cNvGrpSpPr/>
         <p:nvPr/>
       </p:nvGrpSpPr>
@@ -1337,7 +1337,7 @@
       </p:grpSpPr>
       <p:sp>
         <p:nvSpPr>
-          <p:cNvPr id="187" name="Google Shape;187;g15e5843fb00_0_251:notes"/>
+          <p:cNvPr id="188" name="Google Shape;188;g15e5843fb00_0_251:notes"/>
           <p:cNvSpPr/>
           <p:nvPr>
             <p:ph idx="2" type="sldImg"/>
@@ -1372,7 +1372,7 @@
       </p:sp>
       <p:sp>
         <p:nvSpPr>
-          <p:cNvPr id="188" name="Google Shape;188;g15e5843fb00_0_251:notes"/>
+          <p:cNvPr id="189" name="Google Shape;189;g15e5843fb00_0_251:notes"/>
           <p:cNvSpPr txBox="1"/>
           <p:nvPr>
             <p:ph idx="1" type="body"/>
@@ -1422,7 +1422,7 @@
   <p:cSld>
     <p:spTree>
       <p:nvGrpSpPr>
-        <p:cNvPr id="194" name="Shape 194"/>
+        <p:cNvPr id="195" name="Shape 195"/>
         <p:cNvGrpSpPr/>
         <p:nvPr/>
       </p:nvGrpSpPr>
@@ -1436,7 +1436,7 @@
       </p:grpSpPr>
       <p:sp>
         <p:nvSpPr>
-          <p:cNvPr id="195" name="Google Shape;195;g15e5843fb00_0_258:notes"/>
+          <p:cNvPr id="196" name="Google Shape;196;g15e5843fb00_0_258:notes"/>
           <p:cNvSpPr/>
           <p:nvPr>
             <p:ph idx="2" type="sldImg"/>
@@ -1471,7 +1471,7 @@
       </p:sp>
       <p:sp>
         <p:nvSpPr>
-          <p:cNvPr id="196" name="Google Shape;196;g15e5843fb00_0_258:notes"/>
+          <p:cNvPr id="197" name="Google Shape;197;g15e5843fb00_0_258:notes"/>
           <p:cNvSpPr txBox="1"/>
           <p:nvPr>
             <p:ph idx="1" type="body"/>
@@ -1521,7 +1521,7 @@
   <p:cSld>
     <p:spTree>
       <p:nvGrpSpPr>
-        <p:cNvPr id="202" name="Shape 202"/>
+        <p:cNvPr id="203" name="Shape 203"/>
         <p:cNvGrpSpPr/>
         <p:nvPr/>
       </p:nvGrpSpPr>
@@ -1535,7 +1535,7 @@
       </p:grpSpPr>
       <p:sp>
         <p:nvSpPr>
-          <p:cNvPr id="203" name="Google Shape;203;g15e5843fb00_0_265:notes"/>
+          <p:cNvPr id="204" name="Google Shape;204;g15e5843fb00_0_265:notes"/>
           <p:cNvSpPr/>
           <p:nvPr>
             <p:ph idx="2" type="sldImg"/>
@@ -1570,7 +1570,7 @@
       </p:sp>
       <p:sp>
         <p:nvSpPr>
-          <p:cNvPr id="204" name="Google Shape;204;g15e5843fb00_0_265:notes"/>
+          <p:cNvPr id="205" name="Google Shape;205;g15e5843fb00_0_265:notes"/>
           <p:cNvSpPr txBox="1"/>
           <p:nvPr>
             <p:ph idx="1" type="body"/>
@@ -1620,7 +1620,7 @@
   <p:cSld>
     <p:spTree>
       <p:nvGrpSpPr>
-        <p:cNvPr id="210" name="Shape 210"/>
+        <p:cNvPr id="211" name="Shape 211"/>
         <p:cNvGrpSpPr/>
         <p:nvPr/>
       </p:nvGrpSpPr>
@@ -1634,7 +1634,7 @@
       </p:grpSpPr>
       <p:sp>
         <p:nvSpPr>
-          <p:cNvPr id="211" name="Google Shape;211;g13330878855_0_271:notes"/>
+          <p:cNvPr id="212" name="Google Shape;212;g13330878855_0_271:notes"/>
           <p:cNvSpPr/>
           <p:nvPr>
             <p:ph idx="2" type="sldImg"/>
@@ -1669,7 +1669,7 @@
       </p:sp>
       <p:sp>
         <p:nvSpPr>
-          <p:cNvPr id="212" name="Google Shape;212;g13330878855_0_271:notes"/>
+          <p:cNvPr id="213" name="Google Shape;213;g13330878855_0_271:notes"/>
           <p:cNvSpPr txBox="1"/>
           <p:nvPr>
             <p:ph idx="1" type="body"/>
@@ -1719,7 +1719,7 @@
   <p:cSld>
     <p:spTree>
       <p:nvGrpSpPr>
-        <p:cNvPr id="218" name="Shape 218"/>
+        <p:cNvPr id="219" name="Shape 219"/>
         <p:cNvGrpSpPr/>
         <p:nvPr/>
       </p:nvGrpSpPr>
@@ -1733,7 +1733,7 @@
       </p:grpSpPr>
       <p:sp>
         <p:nvSpPr>
-          <p:cNvPr id="219" name="Google Shape;219;g13330878855_0_108:notes"/>
+          <p:cNvPr id="220" name="Google Shape;220;g13330878855_0_108:notes"/>
           <p:cNvSpPr/>
           <p:nvPr>
             <p:ph idx="2" type="sldImg"/>
@@ -1768,7 +1768,7 @@
       </p:sp>
       <p:sp>
         <p:nvSpPr>
-          <p:cNvPr id="220" name="Google Shape;220;g13330878855_0_108:notes"/>
+          <p:cNvPr id="221" name="Google Shape;221;g13330878855_0_108:notes"/>
           <p:cNvSpPr txBox="1"/>
           <p:nvPr>
             <p:ph idx="1" type="body"/>
@@ -1917,7 +1917,7 @@
   <p:cSld>
     <p:spTree>
       <p:nvGrpSpPr>
-        <p:cNvPr id="224" name="Shape 224"/>
+        <p:cNvPr id="225" name="Shape 225"/>
         <p:cNvGrpSpPr/>
         <p:nvPr/>
       </p:nvGrpSpPr>
@@ -1931,7 +1931,7 @@
       </p:grpSpPr>
       <p:sp>
         <p:nvSpPr>
-          <p:cNvPr id="225" name="Google Shape;225;g13330878855_0_291:notes"/>
+          <p:cNvPr id="226" name="Google Shape;226;g13330878855_0_291:notes"/>
           <p:cNvSpPr/>
           <p:nvPr>
             <p:ph idx="2" type="sldImg"/>
@@ -1966,7 +1966,7 @@
       </p:sp>
       <p:sp>
         <p:nvSpPr>
-          <p:cNvPr id="226" name="Google Shape;226;g13330878855_0_291:notes"/>
+          <p:cNvPr id="227" name="Google Shape;227;g13330878855_0_291:notes"/>
           <p:cNvSpPr txBox="1"/>
           <p:nvPr>
             <p:ph idx="1" type="body"/>
@@ -2511,7 +2511,7 @@
   <p:cSld>
     <p:spTree>
       <p:nvGrpSpPr>
-        <p:cNvPr id="119" name="Shape 119"/>
+        <p:cNvPr id="120" name="Shape 120"/>
         <p:cNvGrpSpPr/>
         <p:nvPr/>
       </p:nvGrpSpPr>
@@ -2525,7 +2525,7 @@
       </p:grpSpPr>
       <p:sp>
         <p:nvSpPr>
-          <p:cNvPr id="120" name="Google Shape;120;g15e5843fb00_0_145:notes"/>
+          <p:cNvPr id="121" name="Google Shape;121;g15e5843fb00_0_145:notes"/>
           <p:cNvSpPr/>
           <p:nvPr>
             <p:ph idx="2" type="sldImg"/>
@@ -2560,7 +2560,7 @@
       </p:sp>
       <p:sp>
         <p:nvSpPr>
-          <p:cNvPr id="121" name="Google Shape;121;g15e5843fb00_0_145:notes"/>
+          <p:cNvPr id="122" name="Google Shape;122;g15e5843fb00_0_145:notes"/>
           <p:cNvSpPr txBox="1"/>
           <p:nvPr>
             <p:ph idx="1" type="body"/>
@@ -2610,7 +2610,7 @@
   <p:cSld>
     <p:spTree>
       <p:nvGrpSpPr>
-        <p:cNvPr id="128" name="Shape 128"/>
+        <p:cNvPr id="129" name="Shape 129"/>
         <p:cNvGrpSpPr/>
         <p:nvPr/>
       </p:nvGrpSpPr>
@@ -2624,7 +2624,7 @@
       </p:grpSpPr>
       <p:sp>
         <p:nvSpPr>
-          <p:cNvPr id="129" name="Google Shape;129;g15e5843fb00_0_157:notes"/>
+          <p:cNvPr id="130" name="Google Shape;130;g15e5843fb00_0_157:notes"/>
           <p:cNvSpPr/>
           <p:nvPr>
             <p:ph idx="2" type="sldImg"/>
@@ -2659,7 +2659,7 @@
       </p:sp>
       <p:sp>
         <p:nvSpPr>
-          <p:cNvPr id="130" name="Google Shape;130;g15e5843fb00_0_157:notes"/>
+          <p:cNvPr id="131" name="Google Shape;131;g15e5843fb00_0_157:notes"/>
           <p:cNvSpPr txBox="1"/>
           <p:nvPr>
             <p:ph idx="1" type="body"/>
@@ -8120,7 +8120,7 @@
   <p:cSld>
     <p:spTree>
       <p:nvGrpSpPr>
-        <p:cNvPr id="139" name="Shape 139"/>
+        <p:cNvPr id="140" name="Shape 140"/>
         <p:cNvGrpSpPr/>
         <p:nvPr/>
       </p:nvGrpSpPr>
@@ -8134,7 +8134,7 @@
       </p:grpSpPr>
       <p:sp>
         <p:nvSpPr>
-          <p:cNvPr id="140" name="Google Shape;140;p22"/>
+          <p:cNvPr id="141" name="Google Shape;141;p22"/>
           <p:cNvSpPr txBox="1"/>
           <p:nvPr>
             <p:ph idx="4294967295" type="title"/>
@@ -8174,7 +8174,7 @@
       </p:sp>
       <p:sp>
         <p:nvSpPr>
-          <p:cNvPr id="141" name="Google Shape;141;p22"/>
+          <p:cNvPr id="142" name="Google Shape;142;p22"/>
           <p:cNvSpPr txBox="1"/>
           <p:nvPr>
             <p:ph idx="4294967295" type="body"/>
@@ -8390,7 +8390,7 @@
       </p:sp>
       <p:pic>
         <p:nvPicPr>
-          <p:cNvPr id="142" name="Google Shape;142;p22"/>
+          <p:cNvPr id="143" name="Google Shape;143;p22"/>
           <p:cNvPicPr preferRelativeResize="0"/>
           <p:nvPr/>
         </p:nvPicPr>
@@ -8429,7 +8429,7 @@
   <p:cSld>
     <p:spTree>
       <p:nvGrpSpPr>
-        <p:cNvPr id="146" name="Shape 146"/>
+        <p:cNvPr id="147" name="Shape 147"/>
         <p:cNvGrpSpPr/>
         <p:nvPr/>
       </p:nvGrpSpPr>
@@ -8443,7 +8443,7 @@
       </p:grpSpPr>
       <p:sp>
         <p:nvSpPr>
-          <p:cNvPr id="147" name="Google Shape;147;p23"/>
+          <p:cNvPr id="148" name="Google Shape;148;p23"/>
           <p:cNvSpPr txBox="1"/>
           <p:nvPr>
             <p:ph idx="4294967295" type="title"/>
@@ -8483,7 +8483,7 @@
       </p:sp>
       <p:sp>
         <p:nvSpPr>
-          <p:cNvPr id="148" name="Google Shape;148;p23"/>
+          <p:cNvPr id="149" name="Google Shape;149;p23"/>
           <p:cNvSpPr txBox="1"/>
           <p:nvPr>
             <p:ph idx="4294967295" type="body"/>
@@ -8582,7 +8582,7 @@
   <p:cSld>
     <p:spTree>
       <p:nvGrpSpPr>
-        <p:cNvPr id="152" name="Shape 152"/>
+        <p:cNvPr id="153" name="Shape 153"/>
         <p:cNvGrpSpPr/>
         <p:nvPr/>
       </p:nvGrpSpPr>
@@ -8596,7 +8596,7 @@
       </p:grpSpPr>
       <p:sp>
         <p:nvSpPr>
-          <p:cNvPr id="153" name="Google Shape;153;p24"/>
+          <p:cNvPr id="154" name="Google Shape;154;p24"/>
           <p:cNvSpPr txBox="1"/>
           <p:nvPr>
             <p:ph idx="4294967295" type="title"/>
@@ -8636,7 +8636,7 @@
       </p:sp>
       <p:sp>
         <p:nvSpPr>
-          <p:cNvPr id="154" name="Google Shape;154;p24"/>
+          <p:cNvPr id="155" name="Google Shape;155;p24"/>
           <p:cNvSpPr txBox="1"/>
           <p:nvPr>
             <p:ph idx="4294967295" type="body"/>
@@ -8839,7 +8839,7 @@
       </p:sp>
       <p:pic>
         <p:nvPicPr>
-          <p:cNvPr id="155" name="Google Shape;155;p24"/>
+          <p:cNvPr id="156" name="Google Shape;156;p24"/>
           <p:cNvPicPr preferRelativeResize="0"/>
           <p:nvPr/>
         </p:nvPicPr>
@@ -8867,7 +8867,7 @@
       </p:pic>
       <p:pic>
         <p:nvPicPr>
-          <p:cNvPr id="156" name="Google Shape;156;p24"/>
+          <p:cNvPr id="157" name="Google Shape;157;p24"/>
           <p:cNvPicPr preferRelativeResize="0"/>
           <p:nvPr/>
         </p:nvPicPr>
@@ -8906,7 +8906,7 @@
   <p:cSld>
     <p:spTree>
       <p:nvGrpSpPr>
-        <p:cNvPr id="160" name="Shape 160"/>
+        <p:cNvPr id="161" name="Shape 161"/>
         <p:cNvGrpSpPr/>
         <p:nvPr/>
       </p:nvGrpSpPr>
@@ -8920,7 +8920,7 @@
       </p:grpSpPr>
       <p:sp>
         <p:nvSpPr>
-          <p:cNvPr id="161" name="Google Shape;161;p25"/>
+          <p:cNvPr id="162" name="Google Shape;162;p25"/>
           <p:cNvSpPr txBox="1"/>
           <p:nvPr>
             <p:ph idx="4294967295" type="title"/>
@@ -8960,7 +8960,7 @@
       </p:sp>
       <p:sp>
         <p:nvSpPr>
-          <p:cNvPr id="162" name="Google Shape;162;p25"/>
+          <p:cNvPr id="163" name="Google Shape;163;p25"/>
           <p:cNvSpPr txBox="1"/>
           <p:nvPr>
             <p:ph idx="4294967295" type="body"/>
@@ -9076,7 +9076,7 @@
       </p:sp>
       <p:pic>
         <p:nvPicPr>
-          <p:cNvPr id="163" name="Google Shape;163;p25"/>
+          <p:cNvPr id="164" name="Google Shape;164;p25"/>
           <p:cNvPicPr preferRelativeResize="0"/>
           <p:nvPr/>
         </p:nvPicPr>
@@ -9104,7 +9104,7 @@
       </p:pic>
       <p:pic>
         <p:nvPicPr>
-          <p:cNvPr id="164" name="Google Shape;164;p25"/>
+          <p:cNvPr id="165" name="Google Shape;165;p25"/>
           <p:cNvPicPr preferRelativeResize="0"/>
           <p:nvPr/>
         </p:nvPicPr>
@@ -9143,7 +9143,7 @@
   <p:cSld>
     <p:spTree>
       <p:nvGrpSpPr>
-        <p:cNvPr id="168" name="Shape 168"/>
+        <p:cNvPr id="169" name="Shape 169"/>
         <p:cNvGrpSpPr/>
         <p:nvPr/>
       </p:nvGrpSpPr>
@@ -9157,7 +9157,7 @@
       </p:grpSpPr>
       <p:sp>
         <p:nvSpPr>
-          <p:cNvPr id="169" name="Google Shape;169;p26"/>
+          <p:cNvPr id="170" name="Google Shape;170;p26"/>
           <p:cNvSpPr txBox="1"/>
           <p:nvPr>
             <p:ph type="title"/>
@@ -9197,7 +9197,7 @@
       </p:sp>
       <p:grpSp>
         <p:nvGrpSpPr>
-          <p:cNvPr id="170" name="Google Shape;170;p26"/>
+          <p:cNvPr id="171" name="Google Shape;171;p26"/>
           <p:cNvGrpSpPr/>
           <p:nvPr/>
         </p:nvGrpSpPr>
@@ -9211,7 +9211,7 @@
         </p:grpSpPr>
         <p:sp>
           <p:nvSpPr>
-            <p:cNvPr id="171" name="Google Shape;171;p26"/>
+            <p:cNvPr id="172" name="Google Shape;172;p26"/>
             <p:cNvSpPr txBox="1"/>
             <p:nvPr/>
           </p:nvSpPr>
@@ -9254,7 +9254,7 @@
         </p:sp>
         <p:sp>
           <p:nvSpPr>
-            <p:cNvPr id="172" name="Google Shape;172;p26"/>
+            <p:cNvPr id="173" name="Google Shape;173;p26"/>
             <p:cNvSpPr/>
             <p:nvPr/>
           </p:nvSpPr>
@@ -9302,7 +9302,7 @@
       </p:grpSp>
       <p:sp>
         <p:nvSpPr>
-          <p:cNvPr id="173" name="Google Shape;173;p26"/>
+          <p:cNvPr id="174" name="Google Shape;174;p26"/>
           <p:cNvSpPr txBox="1"/>
           <p:nvPr>
             <p:ph idx="4294967295" type="body"/>
@@ -9350,7 +9350,7 @@
       </p:sp>
       <p:sp>
         <p:nvSpPr>
-          <p:cNvPr id="174" name="Google Shape;174;p26"/>
+          <p:cNvPr id="175" name="Google Shape;175;p26"/>
           <p:cNvSpPr txBox="1"/>
           <p:nvPr>
             <p:ph idx="4294967295" type="body"/>
@@ -9422,7 +9422,7 @@
       </p:sp>
       <p:grpSp>
         <p:nvGrpSpPr>
-          <p:cNvPr id="175" name="Google Shape;175;p26"/>
+          <p:cNvPr id="176" name="Google Shape;176;p26"/>
           <p:cNvGrpSpPr/>
           <p:nvPr/>
         </p:nvGrpSpPr>
@@ -9436,7 +9436,7 @@
         </p:grpSpPr>
         <p:sp>
           <p:nvSpPr>
-            <p:cNvPr id="176" name="Google Shape;176;p26"/>
+            <p:cNvPr id="177" name="Google Shape;177;p26"/>
             <p:cNvSpPr txBox="1"/>
             <p:nvPr/>
           </p:nvSpPr>
@@ -9479,7 +9479,7 @@
         </p:sp>
         <p:sp>
           <p:nvSpPr>
-            <p:cNvPr id="177" name="Google Shape;177;p26"/>
+            <p:cNvPr id="178" name="Google Shape;178;p26"/>
             <p:cNvSpPr/>
             <p:nvPr/>
           </p:nvSpPr>
@@ -9527,7 +9527,7 @@
       </p:grpSp>
       <p:sp>
         <p:nvSpPr>
-          <p:cNvPr id="178" name="Google Shape;178;p26"/>
+          <p:cNvPr id="179" name="Google Shape;179;p26"/>
           <p:cNvSpPr txBox="1"/>
           <p:nvPr>
             <p:ph idx="4294967295" type="body"/>
@@ -9575,7 +9575,7 @@
       </p:sp>
       <p:sp>
         <p:nvSpPr>
-          <p:cNvPr id="179" name="Google Shape;179;p26"/>
+          <p:cNvPr id="180" name="Google Shape;180;p26"/>
           <p:cNvSpPr txBox="1"/>
           <p:nvPr>
             <p:ph idx="4294967295" type="body"/>
@@ -9647,7 +9647,7 @@
       </p:sp>
       <p:grpSp>
         <p:nvGrpSpPr>
-          <p:cNvPr id="180" name="Google Shape;180;p26"/>
+          <p:cNvPr id="181" name="Google Shape;181;p26"/>
           <p:cNvGrpSpPr/>
           <p:nvPr/>
         </p:nvGrpSpPr>
@@ -9661,7 +9661,7 @@
         </p:grpSpPr>
         <p:sp>
           <p:nvSpPr>
-            <p:cNvPr id="181" name="Google Shape;181;p26"/>
+            <p:cNvPr id="182" name="Google Shape;182;p26"/>
             <p:cNvSpPr/>
             <p:nvPr/>
           </p:nvSpPr>
@@ -9708,7 +9708,7 @@
         </p:sp>
         <p:sp>
           <p:nvSpPr>
-            <p:cNvPr id="182" name="Google Shape;182;p26"/>
+            <p:cNvPr id="183" name="Google Shape;183;p26"/>
             <p:cNvSpPr txBox="1"/>
             <p:nvPr/>
           </p:nvSpPr>
@@ -9752,7 +9752,7 @@
       </p:grpSp>
       <p:sp>
         <p:nvSpPr>
-          <p:cNvPr id="183" name="Google Shape;183;p26"/>
+          <p:cNvPr id="184" name="Google Shape;184;p26"/>
           <p:cNvSpPr txBox="1"/>
           <p:nvPr>
             <p:ph idx="4294967295" type="body"/>
@@ -9800,7 +9800,7 @@
       </p:sp>
       <p:sp>
         <p:nvSpPr>
-          <p:cNvPr id="184" name="Google Shape;184;p26"/>
+          <p:cNvPr id="185" name="Google Shape;185;p26"/>
           <p:cNvSpPr txBox="1"/>
           <p:nvPr>
             <p:ph idx="4294967295" type="body"/>
@@ -9872,7 +9872,7 @@
       </p:sp>
       <p:sp>
         <p:nvSpPr>
-          <p:cNvPr id="185" name="Google Shape;185;p26"/>
+          <p:cNvPr id="186" name="Google Shape;186;p26"/>
           <p:cNvSpPr txBox="1"/>
           <p:nvPr/>
         </p:nvSpPr>
@@ -9979,7 +9979,7 @@
   <p:cSld>
     <p:spTree>
       <p:nvGrpSpPr>
-        <p:cNvPr id="189" name="Shape 189"/>
+        <p:cNvPr id="190" name="Shape 190"/>
         <p:cNvGrpSpPr/>
         <p:nvPr/>
       </p:nvGrpSpPr>
@@ -9993,7 +9993,7 @@
       </p:grpSpPr>
       <p:sp>
         <p:nvSpPr>
-          <p:cNvPr id="190" name="Google Shape;190;p27"/>
+          <p:cNvPr id="191" name="Google Shape;191;p27"/>
           <p:cNvSpPr txBox="1"/>
           <p:nvPr>
             <p:ph idx="4294967295" type="title"/>
@@ -10037,7 +10037,7 @@
       </p:sp>
       <p:sp>
         <p:nvSpPr>
-          <p:cNvPr id="191" name="Google Shape;191;p27"/>
+          <p:cNvPr id="192" name="Google Shape;192;p27"/>
           <p:cNvSpPr txBox="1"/>
           <p:nvPr>
             <p:ph idx="4294967295" type="body"/>
@@ -10121,7 +10121,7 @@
       </p:sp>
       <p:pic>
         <p:nvPicPr>
-          <p:cNvPr id="192" name="Google Shape;192;p27"/>
+          <p:cNvPr id="193" name="Google Shape;193;p27"/>
           <p:cNvPicPr preferRelativeResize="0"/>
           <p:nvPr/>
         </p:nvPicPr>
@@ -10149,7 +10149,7 @@
       </p:pic>
       <p:pic>
         <p:nvPicPr>
-          <p:cNvPr id="193" name="Google Shape;193;p27"/>
+          <p:cNvPr id="194" name="Google Shape;194;p27"/>
           <p:cNvPicPr preferRelativeResize="0"/>
           <p:nvPr/>
         </p:nvPicPr>
@@ -10188,7 +10188,7 @@
   <p:cSld>
     <p:spTree>
       <p:nvGrpSpPr>
-        <p:cNvPr id="197" name="Shape 197"/>
+        <p:cNvPr id="198" name="Shape 198"/>
         <p:cNvGrpSpPr/>
         <p:nvPr/>
       </p:nvGrpSpPr>
@@ -10202,7 +10202,7 @@
       </p:grpSpPr>
       <p:sp>
         <p:nvSpPr>
-          <p:cNvPr id="198" name="Google Shape;198;p28"/>
+          <p:cNvPr id="199" name="Google Shape;199;p28"/>
           <p:cNvSpPr txBox="1"/>
           <p:nvPr>
             <p:ph idx="4294967295" type="title"/>
@@ -10246,7 +10246,7 @@
       </p:sp>
       <p:sp>
         <p:nvSpPr>
-          <p:cNvPr id="199" name="Google Shape;199;p28"/>
+          <p:cNvPr id="200" name="Google Shape;200;p28"/>
           <p:cNvSpPr txBox="1"/>
           <p:nvPr>
             <p:ph idx="4294967295" type="body"/>
@@ -10330,7 +10330,7 @@
       </p:sp>
       <p:pic>
         <p:nvPicPr>
-          <p:cNvPr id="200" name="Google Shape;200;p28"/>
+          <p:cNvPr id="201" name="Google Shape;201;p28"/>
           <p:cNvPicPr preferRelativeResize="0"/>
           <p:nvPr/>
         </p:nvPicPr>
@@ -10358,7 +10358,7 @@
       </p:pic>
       <p:pic>
         <p:nvPicPr>
-          <p:cNvPr id="201" name="Google Shape;201;p28"/>
+          <p:cNvPr id="202" name="Google Shape;202;p28"/>
           <p:cNvPicPr preferRelativeResize="0"/>
           <p:nvPr/>
         </p:nvPicPr>
@@ -10397,7 +10397,7 @@
   <p:cSld>
     <p:spTree>
       <p:nvGrpSpPr>
-        <p:cNvPr id="205" name="Shape 205"/>
+        <p:cNvPr id="206" name="Shape 206"/>
         <p:cNvGrpSpPr/>
         <p:nvPr/>
       </p:nvGrpSpPr>
@@ -10411,7 +10411,7 @@
       </p:grpSpPr>
       <p:sp>
         <p:nvSpPr>
-          <p:cNvPr id="206" name="Google Shape;206;p29"/>
+          <p:cNvPr id="207" name="Google Shape;207;p29"/>
           <p:cNvSpPr txBox="1"/>
           <p:nvPr>
             <p:ph idx="4294967295" type="title"/>
@@ -10455,7 +10455,7 @@
       </p:sp>
       <p:sp>
         <p:nvSpPr>
-          <p:cNvPr id="207" name="Google Shape;207;p29"/>
+          <p:cNvPr id="208" name="Google Shape;208;p29"/>
           <p:cNvSpPr txBox="1"/>
           <p:nvPr>
             <p:ph idx="4294967295" type="body"/>
@@ -10539,7 +10539,7 @@
       </p:sp>
       <p:pic>
         <p:nvPicPr>
-          <p:cNvPr id="208" name="Google Shape;208;p29"/>
+          <p:cNvPr id="209" name="Google Shape;209;p29"/>
           <p:cNvPicPr preferRelativeResize="0"/>
           <p:nvPr/>
         </p:nvPicPr>
@@ -10567,7 +10567,7 @@
       </p:pic>
       <p:pic>
         <p:nvPicPr>
-          <p:cNvPr id="209" name="Google Shape;209;p29"/>
+          <p:cNvPr id="210" name="Google Shape;210;p29"/>
           <p:cNvPicPr preferRelativeResize="0"/>
           <p:nvPr/>
         </p:nvPicPr>
@@ -10606,7 +10606,7 @@
   <p:cSld>
     <p:spTree>
       <p:nvGrpSpPr>
-        <p:cNvPr id="213" name="Shape 213"/>
+        <p:cNvPr id="214" name="Shape 214"/>
         <p:cNvGrpSpPr/>
         <p:nvPr/>
       </p:nvGrpSpPr>
@@ -10620,7 +10620,7 @@
       </p:grpSpPr>
       <p:sp>
         <p:nvSpPr>
-          <p:cNvPr id="214" name="Google Shape;214;p30"/>
+          <p:cNvPr id="215" name="Google Shape;215;p30"/>
           <p:cNvSpPr txBox="1"/>
           <p:nvPr>
             <p:ph type="title"/>
@@ -10660,7 +10660,7 @@
       </p:sp>
       <p:sp>
         <p:nvSpPr>
-          <p:cNvPr id="215" name="Google Shape;215;p30"/>
+          <p:cNvPr id="216" name="Google Shape;216;p30"/>
           <p:cNvSpPr txBox="1"/>
           <p:nvPr>
             <p:ph idx="1" type="body"/>
@@ -10668,8 +10668,8 @@
         </p:nvSpPr>
         <p:spPr>
           <a:xfrm>
-            <a:off x="311700" y="1152475"/>
-            <a:ext cx="4548600" cy="3416400"/>
+            <a:off x="311700" y="1017725"/>
+            <a:ext cx="4548600" cy="4166700"/>
           </a:xfrm>
           <a:prstGeom prst="rect">
             <a:avLst/>
@@ -10677,11 +10677,11 @@
         </p:spPr>
         <p:txBody>
           <a:bodyPr anchorCtr="0" anchor="t" bIns="91425" lIns="91425" spcFirstLastPara="1" rIns="91425" wrap="square" tIns="91425">
-            <a:normAutofit fontScale="62500" lnSpcReduction="10000"/>
+            <a:normAutofit fontScale="70000"/>
           </a:bodyPr>
           <a:lstStyle/>
           <a:p>
-            <a:pPr indent="-284162" lvl="0" marL="457200" rtl="0" algn="l">
+            <a:pPr indent="-290830" lvl="0" marL="457200" rtl="0" algn="l">
               <a:spcBef>
                 <a:spcPts val="0"/>
               </a:spcBef>
@@ -10709,7 +10709,7 @@
             </a:endParaRPr>
           </a:p>
           <a:p>
-            <a:pPr indent="-276225" lvl="1" marL="914400" rtl="0" algn="l">
+            <a:pPr indent="-281940" lvl="1" marL="914400" rtl="0" algn="l">
               <a:spcBef>
                 <a:spcPts val="0"/>
               </a:spcBef>
@@ -10737,7 +10737,7 @@
             </a:endParaRPr>
           </a:p>
           <a:p>
-            <a:pPr indent="-276225" lvl="1" marL="914400" rtl="0" algn="l">
+            <a:pPr indent="-281940" lvl="1" marL="914400" rtl="0" algn="l">
               <a:spcBef>
                 <a:spcPts val="0"/>
               </a:spcBef>
@@ -10765,7 +10765,7 @@
             </a:endParaRPr>
           </a:p>
           <a:p>
-            <a:pPr indent="-284162" lvl="0" marL="457200" rtl="0" algn="l">
+            <a:pPr indent="-290830" lvl="0" marL="457200" rtl="0" algn="l">
               <a:spcBef>
                 <a:spcPts val="0"/>
               </a:spcBef>
@@ -10793,7 +10793,7 @@
             </a:endParaRPr>
           </a:p>
           <a:p>
-            <a:pPr indent="-284162" lvl="0" marL="457200" rtl="0" algn="l">
+            <a:pPr indent="-290830" lvl="0" marL="457200" rtl="0" algn="l">
               <a:spcBef>
                 <a:spcPts val="0"/>
               </a:spcBef>
@@ -10821,7 +10821,7 @@
             </a:endParaRPr>
           </a:p>
           <a:p>
-            <a:pPr indent="-284162" lvl="0" marL="457200" rtl="0" algn="l">
+            <a:pPr indent="-290830" lvl="0" marL="457200" rtl="0" algn="l">
               <a:spcBef>
                 <a:spcPts val="0"/>
               </a:spcBef>
@@ -10849,7 +10849,7 @@
             </a:endParaRPr>
           </a:p>
           <a:p>
-            <a:pPr indent="-276225" lvl="1" marL="914400" rtl="0" algn="l">
+            <a:pPr indent="-281940" lvl="1" marL="914400" rtl="0" algn="l">
               <a:spcBef>
                 <a:spcPts val="0"/>
               </a:spcBef>
@@ -10877,7 +10877,7 @@
             </a:endParaRPr>
           </a:p>
           <a:p>
-            <a:pPr indent="-284162" lvl="0" marL="457200" rtl="0" algn="l">
+            <a:pPr indent="-290830" lvl="0" marL="457200" rtl="0" algn="l">
               <a:spcBef>
                 <a:spcPts val="0"/>
               </a:spcBef>
@@ -10905,7 +10905,7 @@
             </a:endParaRPr>
           </a:p>
           <a:p>
-            <a:pPr indent="-284162" lvl="0" marL="457200" rtl="0" algn="l">
+            <a:pPr indent="-290830" lvl="0" marL="457200" rtl="0" algn="l">
               <a:spcBef>
                 <a:spcPts val="0"/>
               </a:spcBef>
@@ -10936,7 +10936,7 @@
       </p:sp>
       <p:pic>
         <p:nvPicPr>
-          <p:cNvPr id="216" name="Google Shape;216;p30"/>
+          <p:cNvPr id="217" name="Google Shape;217;p30"/>
           <p:cNvPicPr preferRelativeResize="0"/>
           <p:nvPr/>
         </p:nvPicPr>
@@ -10964,7 +10964,7 @@
       </p:pic>
       <p:sp>
         <p:nvSpPr>
-          <p:cNvPr id="217" name="Google Shape;217;p30"/>
+          <p:cNvPr id="218" name="Google Shape;218;p30"/>
           <p:cNvSpPr txBox="1"/>
           <p:nvPr>
             <p:ph idx="1" type="body"/>
@@ -11016,7 +11016,7 @@
   <p:cSld>
     <p:spTree>
       <p:nvGrpSpPr>
-        <p:cNvPr id="221" name="Shape 221"/>
+        <p:cNvPr id="222" name="Shape 222"/>
         <p:cNvGrpSpPr/>
         <p:nvPr/>
       </p:nvGrpSpPr>
@@ -11030,7 +11030,7 @@
       </p:grpSpPr>
       <p:sp>
         <p:nvSpPr>
-          <p:cNvPr id="222" name="Google Shape;222;p31"/>
+          <p:cNvPr id="223" name="Google Shape;223;p31"/>
           <p:cNvSpPr txBox="1"/>
           <p:nvPr>
             <p:ph idx="1" type="body"/>
@@ -11038,8 +11038,8 @@
         </p:nvSpPr>
         <p:spPr>
           <a:xfrm>
-            <a:off x="311700" y="1152475"/>
-            <a:ext cx="8520600" cy="3416400"/>
+            <a:off x="311700" y="1094350"/>
+            <a:ext cx="8520600" cy="3973800"/>
           </a:xfrm>
           <a:prstGeom prst="rect">
             <a:avLst/>
@@ -11047,7 +11047,7 @@
         </p:spPr>
         <p:txBody>
           <a:bodyPr anchorCtr="0" anchor="t" bIns="91425" lIns="91425" spcFirstLastPara="1" rIns="91425" wrap="square" tIns="91425">
-            <a:normAutofit fontScale="70000" lnSpcReduction="20000"/>
+            <a:normAutofit fontScale="70000"/>
           </a:bodyPr>
           <a:lstStyle/>
           <a:p>
@@ -11250,7 +11250,7 @@
       </p:sp>
       <p:sp>
         <p:nvSpPr>
-          <p:cNvPr id="223" name="Google Shape;223;p31"/>
+          <p:cNvPr id="224" name="Google Shape;224;p31"/>
           <p:cNvSpPr txBox="1"/>
           <p:nvPr>
             <p:ph type="title"/>
@@ -11567,7 +11567,7 @@
   <p:cSld>
     <p:spTree>
       <p:nvGrpSpPr>
-        <p:cNvPr id="227" name="Shape 227"/>
+        <p:cNvPr id="228" name="Shape 228"/>
         <p:cNvGrpSpPr/>
         <p:nvPr/>
       </p:nvGrpSpPr>
@@ -11581,7 +11581,7 @@
       </p:grpSpPr>
       <p:sp>
         <p:nvSpPr>
-          <p:cNvPr id="228" name="Google Shape;228;p32"/>
+          <p:cNvPr id="229" name="Google Shape;229;p32"/>
           <p:cNvSpPr txBox="1"/>
           <p:nvPr>
             <p:ph idx="1" type="body"/>
@@ -11711,7 +11711,7 @@
       </p:sp>
       <p:sp>
         <p:nvSpPr>
-          <p:cNvPr id="229" name="Google Shape;229;p32"/>
+          <p:cNvPr id="230" name="Google Shape;230;p32"/>
           <p:cNvSpPr txBox="1"/>
           <p:nvPr>
             <p:ph type="title"/>
@@ -12263,7 +12263,7 @@
         </p:nvSpPr>
         <p:spPr>
           <a:xfrm>
-            <a:off x="1324725" y="1017725"/>
+            <a:off x="1282350" y="1190013"/>
             <a:ext cx="6579300" cy="647400"/>
           </a:xfrm>
           <a:prstGeom prst="rect">
@@ -12294,7 +12294,7 @@
             </a:r>
             <a:r>
               <a:rPr lang="en"/>
-              <a:t>ote: The file ‘jazz.00054.wav’ was unable to load properly, and was replaced with another Jazz song provided in the ‘Discussion’ tab on Kaggle:</a:t>
+              <a:t>ote: The file ‘jazz.00054.wav’ could not be loaded properly, and was replaced with another Jazz song provided in the ‘Discussion’ tab on Kaggle</a:t>
             </a:r>
             <a:endParaRPr/>
           </a:p>
@@ -13283,6 +13283,33 @@
           </a:ln>
         </p:spPr>
       </p:pic>
+      <p:pic>
+        <p:nvPicPr>
+          <p:cNvPr id="119" name="Google Shape;119;p19"/>
+          <p:cNvPicPr preferRelativeResize="0"/>
+          <p:nvPr/>
+        </p:nvPicPr>
+        <p:blipFill rotWithShape="1">
+          <a:blip r:embed="rId6">
+            <a:alphaModFix/>
+          </a:blip>
+          <a:srcRect b="95039" l="0" r="10650" t="0"/>
+          <a:stretch/>
+        </p:blipFill>
+        <p:spPr>
+          <a:xfrm>
+            <a:off x="4637350" y="4770725"/>
+            <a:ext cx="4384426" cy="123825"/>
+          </a:xfrm>
+          <a:prstGeom prst="rect">
+            <a:avLst/>
+          </a:prstGeom>
+          <a:noFill/>
+          <a:ln>
+            <a:noFill/>
+          </a:ln>
+        </p:spPr>
+      </p:pic>
     </p:spTree>
   </p:cSld>
   <p:clrMapOvr>
@@ -13296,7 +13323,7 @@
   <p:cSld>
     <p:spTree>
       <p:nvGrpSpPr>
-        <p:cNvPr id="122" name="Shape 122"/>
+        <p:cNvPr id="123" name="Shape 123"/>
         <p:cNvGrpSpPr/>
         <p:nvPr/>
       </p:nvGrpSpPr>
@@ -13310,7 +13337,7 @@
       </p:grpSpPr>
       <p:sp>
         <p:nvSpPr>
-          <p:cNvPr id="123" name="Google Shape;123;p20"/>
+          <p:cNvPr id="124" name="Google Shape;124;p20"/>
           <p:cNvSpPr txBox="1"/>
           <p:nvPr>
             <p:ph type="title"/>
@@ -13354,7 +13381,7 @@
       </p:sp>
       <p:sp>
         <p:nvSpPr>
-          <p:cNvPr id="124" name="Google Shape;124;p20"/>
+          <p:cNvPr id="125" name="Google Shape;125;p20"/>
           <p:cNvSpPr txBox="1"/>
           <p:nvPr/>
         </p:nvSpPr>
@@ -13412,7 +13439,7 @@
       </p:sp>
       <p:sp>
         <p:nvSpPr>
-          <p:cNvPr id="125" name="Google Shape;125;p20"/>
+          <p:cNvPr id="126" name="Google Shape;126;p20"/>
           <p:cNvSpPr txBox="1"/>
           <p:nvPr/>
         </p:nvSpPr>
@@ -13470,7 +13497,7 @@
       </p:sp>
       <p:pic>
         <p:nvPicPr>
-          <p:cNvPr id="126" name="Google Shape;126;p20"/>
+          <p:cNvPr id="127" name="Google Shape;127;p20"/>
           <p:cNvPicPr preferRelativeResize="0"/>
           <p:nvPr/>
         </p:nvPicPr>
@@ -13498,7 +13525,7 @@
       </p:pic>
       <p:sp>
         <p:nvSpPr>
-          <p:cNvPr id="127" name="Google Shape;127;p20"/>
+          <p:cNvPr id="128" name="Google Shape;128;p20"/>
           <p:cNvSpPr txBox="1"/>
           <p:nvPr>
             <p:ph type="title"/>
@@ -13553,7 +13580,7 @@
   <p:cSld>
     <p:spTree>
       <p:nvGrpSpPr>
-        <p:cNvPr id="131" name="Shape 131"/>
+        <p:cNvPr id="132" name="Shape 132"/>
         <p:cNvGrpSpPr/>
         <p:nvPr/>
       </p:nvGrpSpPr>
@@ -13567,7 +13594,7 @@
       </p:grpSpPr>
       <p:sp>
         <p:nvSpPr>
-          <p:cNvPr id="132" name="Google Shape;132;p21"/>
+          <p:cNvPr id="133" name="Google Shape;133;p21"/>
           <p:cNvSpPr txBox="1"/>
           <p:nvPr>
             <p:ph type="title"/>
@@ -13611,7 +13638,7 @@
       </p:sp>
       <p:sp>
         <p:nvSpPr>
-          <p:cNvPr id="133" name="Google Shape;133;p21"/>
+          <p:cNvPr id="134" name="Google Shape;134;p21"/>
           <p:cNvSpPr txBox="1"/>
           <p:nvPr/>
         </p:nvSpPr>
@@ -13669,7 +13696,7 @@
       </p:sp>
       <p:sp>
         <p:nvSpPr>
-          <p:cNvPr id="134" name="Google Shape;134;p21"/>
+          <p:cNvPr id="135" name="Google Shape;135;p21"/>
           <p:cNvSpPr txBox="1"/>
           <p:nvPr/>
         </p:nvSpPr>
@@ -13727,7 +13754,7 @@
       </p:sp>
       <p:pic>
         <p:nvPicPr>
-          <p:cNvPr id="135" name="Google Shape;135;p21"/>
+          <p:cNvPr id="136" name="Google Shape;136;p21"/>
           <p:cNvPicPr preferRelativeResize="0"/>
           <p:nvPr/>
         </p:nvPicPr>
@@ -13762,6 +13789,285 @@
 </file>
 
 <file path=ppt/theme/theme1.xml><?xml version="1.0" encoding="utf-8"?>
+<a:theme xmlns:a="http://schemas.openxmlformats.org/drawingml/2006/main" xmlns:r="http://schemas.openxmlformats.org/officeDocument/2006/relationships">
+  <a:themeElements>
+    <a:clrScheme name="Default">
+      <a:dk1>
+        <a:srgbClr val="000000"/>
+      </a:dk1>
+      <a:lt1>
+        <a:srgbClr val="FFFFFF"/>
+      </a:lt1>
+      <a:dk2>
+        <a:srgbClr val="158158"/>
+      </a:dk2>
+      <a:lt2>
+        <a:srgbClr val="F3F3F3"/>
+      </a:lt2>
+      <a:accent1>
+        <a:srgbClr val="058DC7"/>
+      </a:accent1>
+      <a:accent2>
+        <a:srgbClr val="50B432"/>
+      </a:accent2>
+      <a:accent3>
+        <a:srgbClr val="ED561B"/>
+      </a:accent3>
+      <a:accent4>
+        <a:srgbClr val="EDEF00"/>
+      </a:accent4>
+      <a:accent5>
+        <a:srgbClr val="24CBE5"/>
+      </a:accent5>
+      <a:accent6>
+        <a:srgbClr val="64E572"/>
+      </a:accent6>
+      <a:hlink>
+        <a:srgbClr val="2200CC"/>
+      </a:hlink>
+      <a:folHlink>
+        <a:srgbClr val="551A8B"/>
+      </a:folHlink>
+    </a:clrScheme>
+    <a:fontScheme name="Office">
+      <a:majorFont>
+        <a:latin typeface="Arial"/>
+        <a:ea typeface=""/>
+        <a:cs typeface=""/>
+        <a:font script="Jpan" typeface="ＭＳ Ｐゴシック"/>
+        <a:font script="Hang" typeface="맑은 고딕"/>
+        <a:font script="Hans" typeface="宋体"/>
+        <a:font script="Hant" typeface="新細明體"/>
+        <a:font script="Arab" typeface="Times New Roman"/>
+        <a:font script="Hebr" typeface="Times New Roman"/>
+        <a:font script="Thai" typeface="Angsana New"/>
+        <a:font script="Ethi" typeface="Nyala"/>
+        <a:font script="Beng" typeface="Vrinda"/>
+        <a:font script="Gujr" typeface="Shruti"/>
+        <a:font script="Khmr" typeface="MoolBoran"/>
+        <a:font script="Knda" typeface="Tunga"/>
+        <a:font script="Guru" typeface="Raavi"/>
+        <a:font script="Cans" typeface="Euphemia"/>
+        <a:font script="Cher" typeface="Plantagenet Cherokee"/>
+        <a:font script="Yiii" typeface="Microsoft Yi Baiti"/>
+        <a:font script="Tibt" typeface="Microsoft Himalaya"/>
+        <a:font script="Thaa" typeface="MV Boli"/>
+        <a:font script="Deva" typeface="Mangal"/>
+        <a:font script="Telu" typeface="Gautami"/>
+        <a:font script="Taml" typeface="Latha"/>
+        <a:font script="Syrc" typeface="Estrangelo Edessa"/>
+        <a:font script="Orya" typeface="Kalinga"/>
+        <a:font script="Mlym" typeface="Kartika"/>
+        <a:font script="Laoo" typeface="DokChampa"/>
+        <a:font script="Sinh" typeface="Iskoola Pota"/>
+        <a:font script="Mong" typeface="Mongolian Baiti"/>
+        <a:font script="Viet" typeface="Times New Roman"/>
+        <a:font script="Uigh" typeface="Microsoft Uighur"/>
+        <a:font script="Geor" typeface="Sylfaen"/>
+      </a:majorFont>
+      <a:minorFont>
+        <a:latin typeface="Arial"/>
+        <a:ea typeface=""/>
+        <a:cs typeface=""/>
+        <a:font script="Jpan" typeface="ＭＳ Ｐゴシック"/>
+        <a:font script="Hang" typeface="맑은 고딕"/>
+        <a:font script="Hans" typeface="宋体"/>
+        <a:font script="Hant" typeface="新細明體"/>
+        <a:font script="Arab" typeface="Arial"/>
+        <a:font script="Hebr" typeface="Arial"/>
+        <a:font script="Thai" typeface="Cordia New"/>
+        <a:font script="Ethi" typeface="Nyala"/>
+        <a:font script="Beng" typeface="Vrinda"/>
+        <a:font script="Gujr" typeface="Shruti"/>
+        <a:font script="Khmr" typeface="DaunPenh"/>
+        <a:font script="Knda" typeface="Tunga"/>
+        <a:font script="Guru" typeface="Raavi"/>
+        <a:font script="Cans" typeface="Euphemia"/>
+        <a:font script="Cher" typeface="Plantagenet Cherokee"/>
+        <a:font script="Yiii" typeface="Microsoft Yi Baiti"/>
+        <a:font script="Tibt" typeface="Microsoft Himalaya"/>
+        <a:font script="Thaa" typeface="MV Boli"/>
+        <a:font script="Deva" typeface="Mangal"/>
+        <a:font script="Telu" typeface="Gautami"/>
+        <a:font script="Taml" typeface="Latha"/>
+        <a:font script="Syrc" typeface="Estrangelo Edessa"/>
+        <a:font script="Orya" typeface="Kalinga"/>
+        <a:font script="Mlym" typeface="Kartika"/>
+        <a:font script="Laoo" typeface="DokChampa"/>
+        <a:font script="Sinh" typeface="Iskoola Pota"/>
+        <a:font script="Mong" typeface="Mongolian Baiti"/>
+        <a:font script="Viet" typeface="Arial"/>
+        <a:font script="Uigh" typeface="Microsoft Uighur"/>
+        <a:font script="Geor" typeface="Sylfaen"/>
+      </a:minorFont>
+    </a:fontScheme>
+    <a:fmtScheme name="Office">
+      <a:fillStyleLst>
+        <a:solidFill>
+          <a:schemeClr val="phClr"/>
+        </a:solidFill>
+        <a:gradFill rotWithShape="1">
+          <a:gsLst>
+            <a:gs pos="0">
+              <a:schemeClr val="phClr">
+                <a:tint val="50000"/>
+                <a:satMod val="300000"/>
+              </a:schemeClr>
+            </a:gs>
+            <a:gs pos="35000">
+              <a:schemeClr val="phClr">
+                <a:tint val="37000"/>
+                <a:satMod val="300000"/>
+              </a:schemeClr>
+            </a:gs>
+            <a:gs pos="100000">
+              <a:schemeClr val="phClr">
+                <a:tint val="15000"/>
+                <a:satMod val="350000"/>
+              </a:schemeClr>
+            </a:gs>
+          </a:gsLst>
+          <a:lin ang="16200000" scaled="1"/>
+        </a:gradFill>
+        <a:gradFill rotWithShape="1">
+          <a:gsLst>
+            <a:gs pos="0">
+              <a:schemeClr val="phClr">
+                <a:tint val="100000"/>
+                <a:shade val="100000"/>
+                <a:satMod val="130000"/>
+              </a:schemeClr>
+            </a:gs>
+            <a:gs pos="100000">
+              <a:schemeClr val="phClr">
+                <a:tint val="50000"/>
+                <a:shade val="100000"/>
+                <a:satMod val="350000"/>
+              </a:schemeClr>
+            </a:gs>
+          </a:gsLst>
+          <a:lin ang="16200000" scaled="0"/>
+        </a:gradFill>
+      </a:fillStyleLst>
+      <a:lnStyleLst>
+        <a:ln w="9525" cap="flat" cmpd="sng" algn="ctr">
+          <a:solidFill>
+            <a:schemeClr val="phClr">
+              <a:shade val="95000"/>
+              <a:satMod val="105000"/>
+            </a:schemeClr>
+          </a:solidFill>
+          <a:prstDash val="solid"/>
+        </a:ln>
+        <a:ln w="25400" cap="flat" cmpd="sng" algn="ctr">
+          <a:solidFill>
+            <a:schemeClr val="phClr"/>
+          </a:solidFill>
+          <a:prstDash val="solid"/>
+        </a:ln>
+        <a:ln w="38100" cap="flat" cmpd="sng" algn="ctr">
+          <a:solidFill>
+            <a:schemeClr val="phClr"/>
+          </a:solidFill>
+          <a:prstDash val="solid"/>
+        </a:ln>
+      </a:lnStyleLst>
+      <a:effectStyleLst>
+        <a:effectStyle>
+          <a:effectLst>
+            <a:outerShdw blurRad="40000" dist="20000" dir="5400000" rotWithShape="0">
+              <a:srgbClr val="000000">
+                <a:alpha val="38000"/>
+              </a:srgbClr>
+            </a:outerShdw>
+          </a:effectLst>
+        </a:effectStyle>
+        <a:effectStyle>
+          <a:effectLst>
+            <a:outerShdw blurRad="40000" dist="23000" dir="5400000" rotWithShape="0">
+              <a:srgbClr val="000000">
+                <a:alpha val="35000"/>
+              </a:srgbClr>
+            </a:outerShdw>
+          </a:effectLst>
+        </a:effectStyle>
+        <a:effectStyle>
+          <a:effectLst>
+            <a:outerShdw blurRad="40000" dist="23000" dir="5400000" rotWithShape="0">
+              <a:srgbClr val="000000">
+                <a:alpha val="35000"/>
+              </a:srgbClr>
+            </a:outerShdw>
+          </a:effectLst>
+          <a:scene3d>
+            <a:camera prst="orthographicFront">
+              <a:rot lat="0" lon="0" rev="0"/>
+            </a:camera>
+            <a:lightRig rig="threePt" dir="t">
+              <a:rot lat="0" lon="0" rev="1200000"/>
+            </a:lightRig>
+          </a:scene3d>
+          <a:sp3d>
+            <a:bevelT w="63500" h="25400"/>
+          </a:sp3d>
+        </a:effectStyle>
+      </a:effectStyleLst>
+      <a:bgFillStyleLst>
+        <a:solidFill>
+          <a:schemeClr val="phClr"/>
+        </a:solidFill>
+        <a:gradFill rotWithShape="1">
+          <a:gsLst>
+            <a:gs pos="0">
+              <a:schemeClr val="phClr">
+                <a:tint val="40000"/>
+                <a:satMod val="350000"/>
+              </a:schemeClr>
+            </a:gs>
+            <a:gs pos="40000">
+              <a:schemeClr val="phClr">
+                <a:tint val="45000"/>
+                <a:shade val="99000"/>
+                <a:satMod val="350000"/>
+              </a:schemeClr>
+            </a:gs>
+            <a:gs pos="100000">
+              <a:schemeClr val="phClr">
+                <a:shade val="20000"/>
+                <a:satMod val="255000"/>
+              </a:schemeClr>
+            </a:gs>
+          </a:gsLst>
+          <a:path path="circle">
+            <a:fillToRect l="50000" t="-80000" r="50000" b="180000"/>
+          </a:path>
+        </a:gradFill>
+        <a:gradFill rotWithShape="1">
+          <a:gsLst>
+            <a:gs pos="0">
+              <a:schemeClr val="phClr">
+                <a:tint val="80000"/>
+                <a:satMod val="300000"/>
+              </a:schemeClr>
+            </a:gs>
+            <a:gs pos="100000">
+              <a:schemeClr val="phClr">
+                <a:shade val="30000"/>
+                <a:satMod val="200000"/>
+              </a:schemeClr>
+            </a:gs>
+          </a:gsLst>
+          <a:path path="circle">
+            <a:fillToRect l="50000" t="50000" r="50000" b="50000"/>
+          </a:path>
+        </a:gradFill>
+      </a:bgFillStyleLst>
+    </a:fmtScheme>
+  </a:themeElements>
+</a:theme>
+</file>
+
+<file path=ppt/theme/theme2.xml><?xml version="1.0" encoding="utf-8"?>
 <a:theme xmlns:a="http://schemas.openxmlformats.org/drawingml/2006/main" xmlns:r="http://schemas.openxmlformats.org/officeDocument/2006/relationships" name="Slate">
   <a:themeElements>
     <a:clrScheme name="Slate">
@@ -14038,283 +14344,4 @@
     </a:fmtScheme>
   </a:themeElements>
 </a:theme>
-</file>
-
-<file path=ppt/theme/theme2.xml><?xml version="1.0" encoding="utf-8"?>
-<a:theme xmlns:a="http://schemas.openxmlformats.org/drawingml/2006/main" xmlns:r="http://schemas.openxmlformats.org/officeDocument/2006/relationships">
-  <a:themeElements>
-    <a:clrScheme name="Default">
-      <a:dk1>
-        <a:srgbClr val="000000"/>
-      </a:dk1>
-      <a:lt1>
-        <a:srgbClr val="FFFFFF"/>
-      </a:lt1>
-      <a:dk2>
-        <a:srgbClr val="158158"/>
-      </a:dk2>
-      <a:lt2>
-        <a:srgbClr val="F3F3F3"/>
-      </a:lt2>
-      <a:accent1>
-        <a:srgbClr val="058DC7"/>
-      </a:accent1>
-      <a:accent2>
-        <a:srgbClr val="50B432"/>
-      </a:accent2>
-      <a:accent3>
-        <a:srgbClr val="ED561B"/>
-      </a:accent3>
-      <a:accent4>
-        <a:srgbClr val="EDEF00"/>
-      </a:accent4>
-      <a:accent5>
-        <a:srgbClr val="24CBE5"/>
-      </a:accent5>
-      <a:accent6>
-        <a:srgbClr val="64E572"/>
-      </a:accent6>
-      <a:hlink>
-        <a:srgbClr val="2200CC"/>
-      </a:hlink>
-      <a:folHlink>
-        <a:srgbClr val="551A8B"/>
-      </a:folHlink>
-    </a:clrScheme>
-    <a:fontScheme name="Office">
-      <a:majorFont>
-        <a:latin typeface="Arial"/>
-        <a:ea typeface=""/>
-        <a:cs typeface=""/>
-        <a:font script="Jpan" typeface="ＭＳ Ｐゴシック"/>
-        <a:font script="Hang" typeface="맑은 고딕"/>
-        <a:font script="Hans" typeface="宋体"/>
-        <a:font script="Hant" typeface="新細明體"/>
-        <a:font script="Arab" typeface="Times New Roman"/>
-        <a:font script="Hebr" typeface="Times New Roman"/>
-        <a:font script="Thai" typeface="Angsana New"/>
-        <a:font script="Ethi" typeface="Nyala"/>
-        <a:font script="Beng" typeface="Vrinda"/>
-        <a:font script="Gujr" typeface="Shruti"/>
-        <a:font script="Khmr" typeface="MoolBoran"/>
-        <a:font script="Knda" typeface="Tunga"/>
-        <a:font script="Guru" typeface="Raavi"/>
-        <a:font script="Cans" typeface="Euphemia"/>
-        <a:font script="Cher" typeface="Plantagenet Cherokee"/>
-        <a:font script="Yiii" typeface="Microsoft Yi Baiti"/>
-        <a:font script="Tibt" typeface="Microsoft Himalaya"/>
-        <a:font script="Thaa" typeface="MV Boli"/>
-        <a:font script="Deva" typeface="Mangal"/>
-        <a:font script="Telu" typeface="Gautami"/>
-        <a:font script="Taml" typeface="Latha"/>
-        <a:font script="Syrc" typeface="Estrangelo Edessa"/>
-        <a:font script="Orya" typeface="Kalinga"/>
-        <a:font script="Mlym" typeface="Kartika"/>
-        <a:font script="Laoo" typeface="DokChampa"/>
-        <a:font script="Sinh" typeface="Iskoola Pota"/>
-        <a:font script="Mong" typeface="Mongolian Baiti"/>
-        <a:font script="Viet" typeface="Times New Roman"/>
-        <a:font script="Uigh" typeface="Microsoft Uighur"/>
-        <a:font script="Geor" typeface="Sylfaen"/>
-      </a:majorFont>
-      <a:minorFont>
-        <a:latin typeface="Arial"/>
-        <a:ea typeface=""/>
-        <a:cs typeface=""/>
-        <a:font script="Jpan" typeface="ＭＳ Ｐゴシック"/>
-        <a:font script="Hang" typeface="맑은 고딕"/>
-        <a:font script="Hans" typeface="宋体"/>
-        <a:font script="Hant" typeface="新細明體"/>
-        <a:font script="Arab" typeface="Arial"/>
-        <a:font script="Hebr" typeface="Arial"/>
-        <a:font script="Thai" typeface="Cordia New"/>
-        <a:font script="Ethi" typeface="Nyala"/>
-        <a:font script="Beng" typeface="Vrinda"/>
-        <a:font script="Gujr" typeface="Shruti"/>
-        <a:font script="Khmr" typeface="DaunPenh"/>
-        <a:font script="Knda" typeface="Tunga"/>
-        <a:font script="Guru" typeface="Raavi"/>
-        <a:font script="Cans" typeface="Euphemia"/>
-        <a:font script="Cher" typeface="Plantagenet Cherokee"/>
-        <a:font script="Yiii" typeface="Microsoft Yi Baiti"/>
-        <a:font script="Tibt" typeface="Microsoft Himalaya"/>
-        <a:font script="Thaa" typeface="MV Boli"/>
-        <a:font script="Deva" typeface="Mangal"/>
-        <a:font script="Telu" typeface="Gautami"/>
-        <a:font script="Taml" typeface="Latha"/>
-        <a:font script="Syrc" typeface="Estrangelo Edessa"/>
-        <a:font script="Orya" typeface="Kalinga"/>
-        <a:font script="Mlym" typeface="Kartika"/>
-        <a:font script="Laoo" typeface="DokChampa"/>
-        <a:font script="Sinh" typeface="Iskoola Pota"/>
-        <a:font script="Mong" typeface="Mongolian Baiti"/>
-        <a:font script="Viet" typeface="Arial"/>
-        <a:font script="Uigh" typeface="Microsoft Uighur"/>
-        <a:font script="Geor" typeface="Sylfaen"/>
-      </a:minorFont>
-    </a:fontScheme>
-    <a:fmtScheme name="Office">
-      <a:fillStyleLst>
-        <a:solidFill>
-          <a:schemeClr val="phClr"/>
-        </a:solidFill>
-        <a:gradFill rotWithShape="1">
-          <a:gsLst>
-            <a:gs pos="0">
-              <a:schemeClr val="phClr">
-                <a:tint val="50000"/>
-                <a:satMod val="300000"/>
-              </a:schemeClr>
-            </a:gs>
-            <a:gs pos="35000">
-              <a:schemeClr val="phClr">
-                <a:tint val="37000"/>
-                <a:satMod val="300000"/>
-              </a:schemeClr>
-            </a:gs>
-            <a:gs pos="100000">
-              <a:schemeClr val="phClr">
-                <a:tint val="15000"/>
-                <a:satMod val="350000"/>
-              </a:schemeClr>
-            </a:gs>
-          </a:gsLst>
-          <a:lin ang="16200000" scaled="1"/>
-        </a:gradFill>
-        <a:gradFill rotWithShape="1">
-          <a:gsLst>
-            <a:gs pos="0">
-              <a:schemeClr val="phClr">
-                <a:tint val="100000"/>
-                <a:shade val="100000"/>
-                <a:satMod val="130000"/>
-              </a:schemeClr>
-            </a:gs>
-            <a:gs pos="100000">
-              <a:schemeClr val="phClr">
-                <a:tint val="50000"/>
-                <a:shade val="100000"/>
-                <a:satMod val="350000"/>
-              </a:schemeClr>
-            </a:gs>
-          </a:gsLst>
-          <a:lin ang="16200000" scaled="0"/>
-        </a:gradFill>
-      </a:fillStyleLst>
-      <a:lnStyleLst>
-        <a:ln w="9525" cap="flat" cmpd="sng" algn="ctr">
-          <a:solidFill>
-            <a:schemeClr val="phClr">
-              <a:shade val="95000"/>
-              <a:satMod val="105000"/>
-            </a:schemeClr>
-          </a:solidFill>
-          <a:prstDash val="solid"/>
-        </a:ln>
-        <a:ln w="25400" cap="flat" cmpd="sng" algn="ctr">
-          <a:solidFill>
-            <a:schemeClr val="phClr"/>
-          </a:solidFill>
-          <a:prstDash val="solid"/>
-        </a:ln>
-        <a:ln w="38100" cap="flat" cmpd="sng" algn="ctr">
-          <a:solidFill>
-            <a:schemeClr val="phClr"/>
-          </a:solidFill>
-          <a:prstDash val="solid"/>
-        </a:ln>
-      </a:lnStyleLst>
-      <a:effectStyleLst>
-        <a:effectStyle>
-          <a:effectLst>
-            <a:outerShdw blurRad="40000" dist="20000" dir="5400000" rotWithShape="0">
-              <a:srgbClr val="000000">
-                <a:alpha val="38000"/>
-              </a:srgbClr>
-            </a:outerShdw>
-          </a:effectLst>
-        </a:effectStyle>
-        <a:effectStyle>
-          <a:effectLst>
-            <a:outerShdw blurRad="40000" dist="23000" dir="5400000" rotWithShape="0">
-              <a:srgbClr val="000000">
-                <a:alpha val="35000"/>
-              </a:srgbClr>
-            </a:outerShdw>
-          </a:effectLst>
-        </a:effectStyle>
-        <a:effectStyle>
-          <a:effectLst>
-            <a:outerShdw blurRad="40000" dist="23000" dir="5400000" rotWithShape="0">
-              <a:srgbClr val="000000">
-                <a:alpha val="35000"/>
-              </a:srgbClr>
-            </a:outerShdw>
-          </a:effectLst>
-          <a:scene3d>
-            <a:camera prst="orthographicFront">
-              <a:rot lat="0" lon="0" rev="0"/>
-            </a:camera>
-            <a:lightRig rig="threePt" dir="t">
-              <a:rot lat="0" lon="0" rev="1200000"/>
-            </a:lightRig>
-          </a:scene3d>
-          <a:sp3d>
-            <a:bevelT w="63500" h="25400"/>
-          </a:sp3d>
-        </a:effectStyle>
-      </a:effectStyleLst>
-      <a:bgFillStyleLst>
-        <a:solidFill>
-          <a:schemeClr val="phClr"/>
-        </a:solidFill>
-        <a:gradFill rotWithShape="1">
-          <a:gsLst>
-            <a:gs pos="0">
-              <a:schemeClr val="phClr">
-                <a:tint val="40000"/>
-                <a:satMod val="350000"/>
-              </a:schemeClr>
-            </a:gs>
-            <a:gs pos="40000">
-              <a:schemeClr val="phClr">
-                <a:tint val="45000"/>
-                <a:shade val="99000"/>
-                <a:satMod val="350000"/>
-              </a:schemeClr>
-            </a:gs>
-            <a:gs pos="100000">
-              <a:schemeClr val="phClr">
-                <a:shade val="20000"/>
-                <a:satMod val="255000"/>
-              </a:schemeClr>
-            </a:gs>
-          </a:gsLst>
-          <a:path path="circle">
-            <a:fillToRect l="50000" t="-80000" r="50000" b="180000"/>
-          </a:path>
-        </a:gradFill>
-        <a:gradFill rotWithShape="1">
-          <a:gsLst>
-            <a:gs pos="0">
-              <a:schemeClr val="phClr">
-                <a:tint val="80000"/>
-                <a:satMod val="300000"/>
-              </a:schemeClr>
-            </a:gs>
-            <a:gs pos="100000">
-              <a:schemeClr val="phClr">
-                <a:shade val="30000"/>
-                <a:satMod val="200000"/>
-              </a:schemeClr>
-            </a:gs>
-          </a:gsLst>
-          <a:path path="circle">
-            <a:fillToRect l="50000" t="50000" r="50000" b="50000"/>
-          </a:path>
-        </a:gradFill>
-      </a:bgFillStyleLst>
-    </a:fmtScheme>
-  </a:themeElements>
-</a:theme>
 </file>